--- a/GRW2017/grw2017_poster_not used.pptx
+++ b/GRW2017/grw2017_poster_not used.pptx
@@ -1555,13 +1555,8 @@
             </a:r>
             <a:r>
               <a:rPr lang="en-US" sz="3600" dirty="0" smtClean="0"/>
-              <a:t>systems, drive units are placed in a separate cabinet, and they are connected to the motor via long cables. This brings increased volume and weight as well as increased v</a:t>
-            </a:r>
-            <a:r>
-              <a:rPr lang="en-US" sz="3600" dirty="0" smtClean="0"/>
-              <a:t>oltage overshoot and electromagnetic interference (EMI) problems.</a:t>
-            </a:r>
-            <a:endParaRPr lang="en-US" sz="3600" dirty="0" smtClean="0"/>
+              <a:t>systems, drive units are placed in a separate cabinet, and they are connected to the motor via long cables. This brings increased volume and weight as well as increased voltage overshoot and electromagnetic interference (EMI) problems.</a:t>
+            </a:r>
           </a:p>
           <a:p>
             <a:pPr algn="just" defTabSz="4389438" eaLnBrk="0" hangingPunct="0">
@@ -1587,11 +1582,7 @@
             </a:r>
             <a:r>
               <a:rPr lang="en-US" sz="3600" dirty="0" smtClean="0"/>
-              <a:t>t</a:t>
-            </a:r>
-            <a:r>
-              <a:rPr lang="en-US" sz="3600" dirty="0" smtClean="0"/>
-              <a:t>he motor drive is integrated directly to the motor back-end and the system is modularized by dividing into several parts.</a:t>
+              <a:t>the motor drive is integrated directly to the motor back-end and the system is modularized by dividing into several parts.</a:t>
             </a:r>
             <a:endParaRPr lang="en-US" sz="3600" dirty="0">
               <a:latin typeface="+mj-lt"/>
@@ -1704,9 +1695,6 @@
               </a:rPr>
               <a:t>Motor Drive (IMMD) System</a:t>
             </a:r>
-            <a:endParaRPr lang="en-US" sz="8000" b="1" dirty="0" smtClean="0">
-              <a:latin typeface="+mj-lt"/>
-            </a:endParaRPr>
           </a:p>
         </p:txBody>
       </p:sp>
@@ -1798,21 +1786,7 @@
                 <a:latin typeface="+mj-lt"/>
                 <a:cs typeface="Times New Roman" panose="02020603050405020304" pitchFamily="18" charset="0"/>
               </a:rPr>
-              <a:t>Mesut Uğur	</a:t>
-            </a:r>
-            <a:r>
-              <a:rPr lang="en-US" sz="6000" b="1" dirty="0" smtClean="0">
-                <a:latin typeface="+mj-lt"/>
-                <a:cs typeface="Times New Roman" panose="02020603050405020304" pitchFamily="18" charset="0"/>
-              </a:rPr>
-              <a:t>                            </a:t>
-            </a:r>
-            <a:r>
-              <a:rPr lang="en-US" sz="6000" b="1" dirty="0" smtClean="0">
-                <a:latin typeface="+mj-lt"/>
-                <a:cs typeface="Times New Roman" panose="02020603050405020304" pitchFamily="18" charset="0"/>
-              </a:rPr>
-              <a:t>	Ozan Keysan</a:t>
+              <a:t>Mesut Uğur	                            	Ozan Keysan</a:t>
             </a:r>
           </a:p>
           <a:p>
@@ -1851,10 +1825,6 @@
               </a:rPr>
               <a:t> </a:t>
             </a:r>
-            <a:endParaRPr lang="en-US" sz="4000" b="1" dirty="0" smtClean="0">
-              <a:latin typeface="Times New Roman" panose="02020603050405020304" pitchFamily="18" charset="0"/>
-              <a:cs typeface="Times New Roman" panose="02020603050405020304" pitchFamily="18" charset="0"/>
-            </a:endParaRPr>
           </a:p>
           <a:p>
             <a:pPr defTabSz="4389438">
@@ -2181,11 +2151,7 @@
             </a:pPr>
             <a:r>
               <a:rPr lang="en-US" sz="3500" b="1" dirty="0" smtClean="0"/>
-              <a:t>P</a:t>
-            </a:r>
-            <a:r>
-              <a:rPr lang="en-US" sz="3500" b="1" dirty="0" smtClean="0"/>
-              <a:t>ower density </a:t>
+              <a:t>Power density </a:t>
             </a:r>
             <a:r>
               <a:rPr lang="en-US" sz="3500" dirty="0" smtClean="0"/>
@@ -2199,23 +2165,11 @@
             </a:pPr>
             <a:r>
               <a:rPr lang="en-US" sz="3500" b="1" dirty="0" smtClean="0"/>
-              <a:t>V</a:t>
-            </a:r>
-            <a:r>
-              <a:rPr lang="en-US" sz="3500" b="1" dirty="0" smtClean="0"/>
-              <a:t>oltage overshoot</a:t>
-            </a:r>
-            <a:r>
-              <a:rPr lang="en-US" sz="3500" b="1" dirty="0" smtClean="0"/>
-              <a:t>s </a:t>
+              <a:t>Voltage overshoots </a:t>
             </a:r>
             <a:r>
               <a:rPr lang="en-US" sz="3500" dirty="0" smtClean="0"/>
-              <a:t>due to cabling effect is eliminated.</a:t>
-            </a:r>
-            <a:r>
-              <a:rPr lang="en-US" sz="3500" dirty="0" smtClean="0"/>
-              <a:t> </a:t>
+              <a:t>due to cabling effect is eliminated. </a:t>
             </a:r>
           </a:p>
         </p:txBody>
@@ -3140,7 +3094,7 @@
         </p:blipFill>
         <p:spPr>
           <a:xfrm>
-            <a:off x="33261300" y="32921168"/>
+            <a:off x="43319700" y="33139003"/>
             <a:ext cx="6000750" cy="3324225"/>
           </a:xfrm>
           <a:prstGeom prst="rect">
@@ -3774,6 +3728,71 @@
             <a:r>
               <a:rPr lang="tr-TR" sz="4000" b="1" dirty="0" err="1" smtClean="0"/>
               <a:t>angle</a:t>
+            </a:r>
+            <a:endParaRPr lang="en-US" sz="4000" dirty="0" smtClean="0">
+              <a:latin typeface="+mj-lt"/>
+            </a:endParaRPr>
+          </a:p>
+        </p:txBody>
+      </p:sp>
+      <p:pic>
+        <p:nvPicPr>
+          <p:cNvPr id="55" name="Picture 54"/>
+          <p:cNvPicPr>
+            <a:picLocks noChangeAspect="1"/>
+          </p:cNvPicPr>
+          <p:nvPr/>
+        </p:nvPicPr>
+        <p:blipFill>
+          <a:blip r:embed="rId27"/>
+          <a:stretch>
+            <a:fillRect/>
+          </a:stretch>
+        </p:blipFill>
+        <p:spPr>
+          <a:xfrm>
+            <a:off x="31832235" y="26443056"/>
+            <a:ext cx="6885004" cy="2420878"/>
+          </a:xfrm>
+          <a:prstGeom prst="rect">
+            <a:avLst/>
+          </a:prstGeom>
+        </p:spPr>
+      </p:pic>
+      <p:sp>
+        <p:nvSpPr>
+          <p:cNvPr id="64" name="Text Box 9"/>
+          <p:cNvSpPr txBox="1">
+            <a:spLocks noChangeArrowheads="1"/>
+          </p:cNvSpPr>
+          <p:nvPr/>
+        </p:nvSpPr>
+        <p:spPr bwMode="auto">
+          <a:xfrm>
+            <a:off x="32203101" y="25477946"/>
+            <a:ext cx="6514138" cy="707886"/>
+          </a:xfrm>
+          <a:prstGeom prst="rect">
+            <a:avLst/>
+          </a:prstGeom>
+          <a:noFill/>
+          <a:ln w="9525">
+            <a:noFill/>
+            <a:miter lim="800000"/>
+            <a:headEnd/>
+            <a:tailEnd/>
+          </a:ln>
+          <a:effectLst/>
+        </p:spPr>
+        <p:txBody>
+          <a:bodyPr wrap="square">
+            <a:spAutoFit/>
+          </a:bodyPr>
+          <a:lstStyle/>
+          <a:p>
+            <a:r>
+              <a:rPr lang="en-US" sz="4000" b="1" dirty="0" smtClean="0"/>
+              <a:t>Proposed Topology</a:t>
             </a:r>
             <a:endParaRPr lang="en-US" sz="4000" dirty="0" smtClean="0">
               <a:latin typeface="+mj-lt"/>
